--- a/Doku/Präsentation.pptx
+++ b/Doku/Präsentation.pptx
@@ -9379,7 +9379,7 @@
         <p:spPr>
           <a:xfrm>
             <a:off x="7933588" y="4325233"/>
-            <a:ext cx="3708966" cy="461665"/>
+            <a:ext cx="3708966" cy="1200329"/>
           </a:xfrm>
           <a:prstGeom prst="rect">
             <a:avLst/>
@@ -9393,17 +9393,26 @@
           <a:lstStyle/>
           <a:p>
             <a:r>
-              <a:rPr lang="en-US" sz="2400" dirty="0" err="1">
-                <a:latin typeface="+mj-lt"/>
-              </a:rPr>
-              <a:t>Serversoftware</a:t>
-            </a:r>
-            <a:r>
-              <a:rPr lang="en-US" sz="2400" dirty="0">
-                <a:latin typeface="+mj-lt"/>
-              </a:rPr>
-              <a:t> C#/.net</a:t>
-            </a:r>
+              <a:rPr lang="en-US" sz="2400" dirty="0" err="1"/>
+              <a:t>Speicherung</a:t>
+            </a:r>
+            <a:r>
+              <a:rPr lang="en-US" sz="2400" dirty="0"/>
+              <a:t> der </a:t>
+            </a:r>
+            <a:r>
+              <a:rPr lang="en-US" sz="2400" dirty="0" err="1"/>
+              <a:t>Daten</a:t>
+            </a:r>
+            <a:r>
+              <a:rPr lang="en-US" sz="2400" dirty="0"/>
+              <a:t> auf SQLite</a:t>
+            </a:r>
+            <a:endParaRPr lang="en-US" sz="2400" dirty="0">
+              <a:cs typeface="Browallia New" panose="020B0604020202020204" pitchFamily="34" charset="-34"/>
+            </a:endParaRPr>
+          </a:p>
+          <a:p>
             <a:endParaRPr lang="en-US" sz="2400" dirty="0">
               <a:latin typeface="+mj-lt"/>
               <a:cs typeface="Browallia New" panose="020B0604020202020204" pitchFamily="34" charset="-34"/>
@@ -9420,7 +9429,7 @@
         <p:spPr>
           <a:xfrm>
             <a:off x="5975532" y="5752553"/>
-            <a:ext cx="3708966" cy="830997"/>
+            <a:ext cx="3708966" cy="461665"/>
           </a:xfrm>
           <a:prstGeom prst="rect">
             <a:avLst/>
@@ -9434,28 +9443,12 @@
           <a:lstStyle/>
           <a:p>
             <a:r>
-              <a:rPr lang="en-US" sz="2400" dirty="0" err="1">
-                <a:latin typeface="+mj-lt"/>
-              </a:rPr>
-              <a:t>Speicherung</a:t>
-            </a:r>
-            <a:r>
-              <a:rPr lang="en-US" sz="2400" dirty="0">
-                <a:latin typeface="+mj-lt"/>
-              </a:rPr>
-              <a:t> der </a:t>
-            </a:r>
-            <a:r>
-              <a:rPr lang="en-US" sz="2400" dirty="0" err="1">
-                <a:latin typeface="+mj-lt"/>
-              </a:rPr>
-              <a:t>Daten</a:t>
-            </a:r>
-            <a:r>
-              <a:rPr lang="en-US" sz="2400" dirty="0">
-                <a:latin typeface="+mj-lt"/>
-              </a:rPr>
-              <a:t> auf SQLite</a:t>
+              <a:rPr lang="en-US" sz="2400" dirty="0" err="1"/>
+              <a:t>Serversoftware</a:t>
+            </a:r>
+            <a:r>
+              <a:rPr lang="en-US" sz="2400" dirty="0"/>
+              <a:t> C#/.net</a:t>
             </a:r>
             <a:endParaRPr lang="en-US" sz="2400" dirty="0">
               <a:latin typeface="+mj-lt"/>
@@ -9581,126 +9574,6 @@
           </a:p>
         </p:txBody>
       </p:sp>
-      <p:pic>
-        <p:nvPicPr>
-          <p:cNvPr id="3" name="Picture 2"/>
-          <p:cNvPicPr>
-            <a:picLocks noChangeAspect="1"/>
-          </p:cNvPicPr>
-          <p:nvPr/>
-        </p:nvPicPr>
-        <p:blipFill>
-          <a:blip r:embed="rId4">
-            <a:extLst>
-              <a:ext uri="{28A0092B-C50C-407E-A947-70E740481C1C}">
-                <a14:useLocalDpi xmlns:a14="http://schemas.microsoft.com/office/drawing/2010/main" val="0"/>
-              </a:ext>
-            </a:extLst>
-          </a:blip>
-          <a:stretch>
-            <a:fillRect/>
-          </a:stretch>
-        </p:blipFill>
-        <p:spPr>
-          <a:xfrm>
-            <a:off x="1421186" y="2215971"/>
-            <a:ext cx="1175160" cy="1188720"/>
-          </a:xfrm>
-          <a:prstGeom prst="rect">
-            <a:avLst/>
-          </a:prstGeom>
-        </p:spPr>
-      </p:pic>
-      <p:pic>
-        <p:nvPicPr>
-          <p:cNvPr id="5" name="Picture 4"/>
-          <p:cNvPicPr>
-            <a:picLocks noChangeAspect="1"/>
-          </p:cNvPicPr>
-          <p:nvPr/>
-        </p:nvPicPr>
-        <p:blipFill>
-          <a:blip r:embed="rId5">
-            <a:extLst>
-              <a:ext uri="{28A0092B-C50C-407E-A947-70E740481C1C}">
-                <a14:useLocalDpi xmlns:a14="http://schemas.microsoft.com/office/drawing/2010/main" val="0"/>
-              </a:ext>
-            </a:extLst>
-          </a:blip>
-          <a:stretch>
-            <a:fillRect/>
-          </a:stretch>
-        </p:blipFill>
-        <p:spPr>
-          <a:xfrm>
-            <a:off x="4078500" y="2215971"/>
-            <a:ext cx="1188720" cy="1188720"/>
-          </a:xfrm>
-          <a:prstGeom prst="rect">
-            <a:avLst/>
-          </a:prstGeom>
-        </p:spPr>
-      </p:pic>
-      <p:pic>
-        <p:nvPicPr>
-          <p:cNvPr id="9" name="Picture 8"/>
-          <p:cNvPicPr>
-            <a:picLocks noChangeAspect="1"/>
-          </p:cNvPicPr>
-          <p:nvPr/>
-        </p:nvPicPr>
-        <p:blipFill>
-          <a:blip r:embed="rId6">
-            <a:extLst>
-              <a:ext uri="{28A0092B-C50C-407E-A947-70E740481C1C}">
-                <a14:useLocalDpi xmlns:a14="http://schemas.microsoft.com/office/drawing/2010/main" val="0"/>
-              </a:ext>
-            </a:extLst>
-          </a:blip>
-          <a:stretch>
-            <a:fillRect/>
-          </a:stretch>
-        </p:blipFill>
-        <p:spPr>
-          <a:xfrm>
-            <a:off x="6823146" y="2268441"/>
-            <a:ext cx="1214675" cy="1188720"/>
-          </a:xfrm>
-          <a:prstGeom prst="rect">
-            <a:avLst/>
-          </a:prstGeom>
-        </p:spPr>
-      </p:pic>
-      <p:pic>
-        <p:nvPicPr>
-          <p:cNvPr id="10" name="Picture 9"/>
-          <p:cNvPicPr>
-            <a:picLocks noChangeAspect="1"/>
-          </p:cNvPicPr>
-          <p:nvPr/>
-        </p:nvPicPr>
-        <p:blipFill>
-          <a:blip r:embed="rId7">
-            <a:extLst>
-              <a:ext uri="{28A0092B-C50C-407E-A947-70E740481C1C}">
-                <a14:useLocalDpi xmlns:a14="http://schemas.microsoft.com/office/drawing/2010/main" val="0"/>
-              </a:ext>
-            </a:extLst>
-          </a:blip>
-          <a:stretch>
-            <a:fillRect/>
-          </a:stretch>
-        </p:blipFill>
-        <p:spPr>
-          <a:xfrm>
-            <a:off x="9613653" y="2215971"/>
-            <a:ext cx="1052253" cy="1191654"/>
-          </a:xfrm>
-          <a:prstGeom prst="rect">
-            <a:avLst/>
-          </a:prstGeom>
-        </p:spPr>
-      </p:pic>
       <p:sp>
         <p:nvSpPr>
           <p:cNvPr id="28" name="Rectangle 27"/>
@@ -9784,6 +9657,194 @@
           </a:p>
         </p:txBody>
       </p:sp>
+      <p:pic>
+        <p:nvPicPr>
+          <p:cNvPr id="1026" name="Picture 2" descr="Bildergebnis fÃ¼r arduino logo">
+            <a:extLst>
+              <a:ext uri="{FF2B5EF4-FFF2-40B4-BE49-F238E27FC236}">
+                <a16:creationId xmlns:a16="http://schemas.microsoft.com/office/drawing/2014/main" id="{9CD001A5-E846-4748-89F1-CF7081242BF0}"/>
+              </a:ext>
+            </a:extLst>
+          </p:cNvPr>
+          <p:cNvPicPr>
+            <a:picLocks noChangeAspect="1" noChangeArrowheads="1"/>
+          </p:cNvPicPr>
+          <p:nvPr/>
+        </p:nvPicPr>
+        <p:blipFill>
+          <a:blip r:embed="rId4" cstate="print">
+            <a:extLst>
+              <a:ext uri="{28A0092B-C50C-407E-A947-70E740481C1C}">
+                <a14:useLocalDpi xmlns:a14="http://schemas.microsoft.com/office/drawing/2010/main" val="0"/>
+              </a:ext>
+            </a:extLst>
+          </a:blip>
+          <a:srcRect/>
+          <a:stretch>
+            <a:fillRect/>
+          </a:stretch>
+        </p:blipFill>
+        <p:spPr bwMode="auto">
+          <a:xfrm>
+            <a:off x="1234040" y="2290002"/>
+            <a:ext cx="1529130" cy="1040658"/>
+          </a:xfrm>
+          <a:prstGeom prst="rect">
+            <a:avLst/>
+          </a:prstGeom>
+          <a:noFill/>
+          <a:extLst>
+            <a:ext uri="{909E8E84-426E-40DD-AFC4-6F175D3DCCD1}">
+              <a14:hiddenFill xmlns:a14="http://schemas.microsoft.com/office/drawing/2010/main">
+                <a:solidFill>
+                  <a:srgbClr val="FFFFFF"/>
+                </a:solidFill>
+              </a14:hiddenFill>
+            </a:ext>
+          </a:extLst>
+        </p:spPr>
+      </p:pic>
+      <p:pic>
+        <p:nvPicPr>
+          <p:cNvPr id="1028" name="Picture 4" descr="Bildergebnis fÃ¼r rs232 logo">
+            <a:extLst>
+              <a:ext uri="{FF2B5EF4-FFF2-40B4-BE49-F238E27FC236}">
+                <a16:creationId xmlns:a16="http://schemas.microsoft.com/office/drawing/2014/main" id="{3B52F10E-1FD9-4580-95B2-1642EE6A2F50}"/>
+              </a:ext>
+            </a:extLst>
+          </p:cNvPr>
+          <p:cNvPicPr>
+            <a:picLocks noChangeAspect="1" noChangeArrowheads="1"/>
+          </p:cNvPicPr>
+          <p:nvPr/>
+        </p:nvPicPr>
+        <p:blipFill>
+          <a:blip r:embed="rId5" cstate="print">
+            <a:extLst>
+              <a:ext uri="{28A0092B-C50C-407E-A947-70E740481C1C}">
+                <a14:useLocalDpi xmlns:a14="http://schemas.microsoft.com/office/drawing/2010/main" val="0"/>
+              </a:ext>
+            </a:extLst>
+          </a:blip>
+          <a:srcRect/>
+          <a:stretch>
+            <a:fillRect/>
+          </a:stretch>
+        </p:blipFill>
+        <p:spPr bwMode="auto">
+          <a:xfrm>
+            <a:off x="4191312" y="2232596"/>
+            <a:ext cx="1163929" cy="1163929"/>
+          </a:xfrm>
+          <a:prstGeom prst="rect">
+            <a:avLst/>
+          </a:prstGeom>
+          <a:noFill/>
+          <a:extLst>
+            <a:ext uri="{909E8E84-426E-40DD-AFC4-6F175D3DCCD1}">
+              <a14:hiddenFill xmlns:a14="http://schemas.microsoft.com/office/drawing/2010/main">
+                <a:solidFill>
+                  <a:srgbClr val="FFFFFF"/>
+                </a:solidFill>
+              </a14:hiddenFill>
+            </a:ext>
+          </a:extLst>
+        </p:spPr>
+      </p:pic>
+      <p:pic>
+        <p:nvPicPr>
+          <p:cNvPr id="1030" name="Picture 6" descr="Bildergebnis fÃ¼r sqlite logo">
+            <a:extLst>
+              <a:ext uri="{FF2B5EF4-FFF2-40B4-BE49-F238E27FC236}">
+                <a16:creationId xmlns:a16="http://schemas.microsoft.com/office/drawing/2014/main" id="{F70E6BE1-EDE5-4CCE-8D51-00A00145149D}"/>
+              </a:ext>
+            </a:extLst>
+          </p:cNvPr>
+          <p:cNvPicPr>
+            <a:picLocks noChangeAspect="1" noChangeArrowheads="1"/>
+          </p:cNvPicPr>
+          <p:nvPr/>
+        </p:nvPicPr>
+        <p:blipFill>
+          <a:blip r:embed="rId6" cstate="print">
+            <a:extLst>
+              <a:ext uri="{28A0092B-C50C-407E-A947-70E740481C1C}">
+                <a14:useLocalDpi xmlns:a14="http://schemas.microsoft.com/office/drawing/2010/main" val="0"/>
+              </a:ext>
+            </a:extLst>
+          </a:blip>
+          <a:srcRect/>
+          <a:stretch>
+            <a:fillRect/>
+          </a:stretch>
+        </p:blipFill>
+        <p:spPr bwMode="auto">
+          <a:xfrm>
+            <a:off x="9367065" y="2236501"/>
+            <a:ext cx="2069450" cy="980833"/>
+          </a:xfrm>
+          <a:prstGeom prst="rect">
+            <a:avLst/>
+          </a:prstGeom>
+          <a:noFill/>
+          <a:extLst>
+            <a:ext uri="{909E8E84-426E-40DD-AFC4-6F175D3DCCD1}">
+              <a14:hiddenFill xmlns:a14="http://schemas.microsoft.com/office/drawing/2010/main">
+                <a:solidFill>
+                  <a:srgbClr val="FFFFFF"/>
+                </a:solidFill>
+              </a14:hiddenFill>
+            </a:ext>
+          </a:extLst>
+        </p:spPr>
+      </p:pic>
+      <p:pic>
+        <p:nvPicPr>
+          <p:cNvPr id="1032" name="Picture 8" descr="Ãhnliches Foto">
+            <a:extLst>
+              <a:ext uri="{FF2B5EF4-FFF2-40B4-BE49-F238E27FC236}">
+                <a16:creationId xmlns:a16="http://schemas.microsoft.com/office/drawing/2014/main" id="{EDFE4AF8-F08E-4B5C-A6F3-80E775760880}"/>
+              </a:ext>
+            </a:extLst>
+          </p:cNvPr>
+          <p:cNvPicPr>
+            <a:picLocks noChangeAspect="1" noChangeArrowheads="1"/>
+          </p:cNvPicPr>
+          <p:nvPr/>
+        </p:nvPicPr>
+        <p:blipFill>
+          <a:blip r:embed="rId7" cstate="print">
+            <a:extLst>
+              <a:ext uri="{28A0092B-C50C-407E-A947-70E740481C1C}">
+                <a14:useLocalDpi xmlns:a14="http://schemas.microsoft.com/office/drawing/2010/main" val="0"/>
+              </a:ext>
+            </a:extLst>
+          </a:blip>
+          <a:srcRect/>
+          <a:stretch>
+            <a:fillRect/>
+          </a:stretch>
+        </p:blipFill>
+        <p:spPr bwMode="auto">
+          <a:xfrm>
+            <a:off x="6613965" y="1953827"/>
+            <a:ext cx="1744565" cy="1744565"/>
+          </a:xfrm>
+          <a:prstGeom prst="rect">
+            <a:avLst/>
+          </a:prstGeom>
+          <a:noFill/>
+          <a:extLst>
+            <a:ext uri="{909E8E84-426E-40DD-AFC4-6F175D3DCCD1}">
+              <a14:hiddenFill xmlns:a14="http://schemas.microsoft.com/office/drawing/2010/main">
+                <a:solidFill>
+                  <a:srgbClr val="FFFFFF"/>
+                </a:solidFill>
+              </a14:hiddenFill>
+            </a:ext>
+          </a:extLst>
+        </p:spPr>
+      </p:pic>
     </p:spTree>
     <p:extLst>
       <p:ext uri="{BB962C8B-B14F-4D97-AF65-F5344CB8AC3E}">
@@ -10069,6 +10130,18 @@
   <p:clrMapOvr>
     <a:masterClrMapping/>
   </p:clrMapOvr>
+  <mc:AlternateContent xmlns:mc="http://schemas.openxmlformats.org/markup-compatibility/2006">
+    <mc:Choice xmlns:p14="http://schemas.microsoft.com/office/powerpoint/2010/main" Requires="p14">
+      <p:transition spd="slow" p14:dur="1600">
+        <p14:conveyor dir="l"/>
+      </p:transition>
+    </mc:Choice>
+    <mc:Fallback>
+      <p:transition spd="slow">
+        <p:fade/>
+      </p:transition>
+    </mc:Fallback>
+  </mc:AlternateContent>
 </p:sld>
 </file>
 
